--- a/Diploma_slides.pptx
+++ b/Diploma_slides.pptx
@@ -234,7 +234,7 @@
           <a:p>
             <a:fld id="{DC0B8FE5-3809-4277-AF2B-8784DBC000AA}" type="datetimeFigureOut">
               <a:rPr lang="en-US" smtClean="0"/>
-              <a:t>2/6/2018</a:t>
+              <a:t>5/9/2018</a:t>
             </a:fld>
             <a:endParaRPr lang="en-US"/>
           </a:p>
@@ -695,7 +695,7 @@
           <a:p>
             <a:fld id="{9616E58A-1502-49A9-81BD-C67CE2D6112C}" type="datetimeFigureOut">
               <a:rPr lang="en-US" smtClean="0"/>
-              <a:t>2/6/2018</a:t>
+              <a:t>5/9/2018</a:t>
             </a:fld>
             <a:endParaRPr lang="en-US"/>
           </a:p>
@@ -960,7 +960,7 @@
           <a:p>
             <a:fld id="{9616E58A-1502-49A9-81BD-C67CE2D6112C}" type="datetimeFigureOut">
               <a:rPr lang="en-US" smtClean="0"/>
-              <a:t>2/6/2018</a:t>
+              <a:t>5/9/2018</a:t>
             </a:fld>
             <a:endParaRPr lang="en-US"/>
           </a:p>
@@ -1135,7 +1135,7 @@
           <a:p>
             <a:fld id="{9616E58A-1502-49A9-81BD-C67CE2D6112C}" type="datetimeFigureOut">
               <a:rPr lang="en-US" smtClean="0"/>
-              <a:t>2/6/2018</a:t>
+              <a:t>5/9/2018</a:t>
             </a:fld>
             <a:endParaRPr lang="en-US"/>
           </a:p>
@@ -1300,7 +1300,7 @@
           <a:p>
             <a:fld id="{9616E58A-1502-49A9-81BD-C67CE2D6112C}" type="datetimeFigureOut">
               <a:rPr lang="en-US" smtClean="0"/>
-              <a:t>2/6/2018</a:t>
+              <a:t>5/9/2018</a:t>
             </a:fld>
             <a:endParaRPr lang="en-US"/>
           </a:p>
@@ -1549,7 +1549,7 @@
           <a:p>
             <a:fld id="{9616E58A-1502-49A9-81BD-C67CE2D6112C}" type="datetimeFigureOut">
               <a:rPr lang="en-US" smtClean="0"/>
-              <a:t>2/6/2018</a:t>
+              <a:t>5/9/2018</a:t>
             </a:fld>
             <a:endParaRPr lang="en-US"/>
           </a:p>
@@ -1832,7 +1832,7 @@
           <a:p>
             <a:fld id="{9616E58A-1502-49A9-81BD-C67CE2D6112C}" type="datetimeFigureOut">
               <a:rPr lang="en-US" smtClean="0"/>
-              <a:t>2/6/2018</a:t>
+              <a:t>5/9/2018</a:t>
             </a:fld>
             <a:endParaRPr lang="en-US"/>
           </a:p>
@@ -2271,7 +2271,7 @@
           <a:p>
             <a:fld id="{9616E58A-1502-49A9-81BD-C67CE2D6112C}" type="datetimeFigureOut">
               <a:rPr lang="en-US" smtClean="0"/>
-              <a:t>2/6/2018</a:t>
+              <a:t>5/9/2018</a:t>
             </a:fld>
             <a:endParaRPr lang="en-US"/>
           </a:p>
@@ -2384,7 +2384,7 @@
           <a:p>
             <a:fld id="{9616E58A-1502-49A9-81BD-C67CE2D6112C}" type="datetimeFigureOut">
               <a:rPr lang="en-US" smtClean="0"/>
-              <a:t>2/6/2018</a:t>
+              <a:t>5/9/2018</a:t>
             </a:fld>
             <a:endParaRPr lang="en-US"/>
           </a:p>
@@ -2474,7 +2474,7 @@
           <a:p>
             <a:fld id="{9616E58A-1502-49A9-81BD-C67CE2D6112C}" type="datetimeFigureOut">
               <a:rPr lang="en-US" smtClean="0"/>
-              <a:t>2/6/2018</a:t>
+              <a:t>5/9/2018</a:t>
             </a:fld>
             <a:endParaRPr lang="en-US"/>
           </a:p>
@@ -2716,7 +2716,7 @@
           <a:p>
             <a:fld id="{9616E58A-1502-49A9-81BD-C67CE2D6112C}" type="datetimeFigureOut">
               <a:rPr lang="en-US" smtClean="0"/>
-              <a:t>2/6/2018</a:t>
+              <a:t>5/9/2018</a:t>
             </a:fld>
             <a:endParaRPr lang="en-US"/>
           </a:p>
@@ -3010,7 +3010,7 @@
           <a:p>
             <a:fld id="{9616E58A-1502-49A9-81BD-C67CE2D6112C}" type="datetimeFigureOut">
               <a:rPr lang="en-US" smtClean="0"/>
-              <a:t>2/6/2018</a:t>
+              <a:t>5/9/2018</a:t>
             </a:fld>
             <a:endParaRPr lang="en-US"/>
           </a:p>
@@ -3304,7 +3304,7 @@
           <a:p>
             <a:fld id="{9616E58A-1502-49A9-81BD-C67CE2D6112C}" type="datetimeFigureOut">
               <a:rPr lang="en-US" smtClean="0"/>
-              <a:t>2/6/2018</a:t>
+              <a:t>5/9/2018</a:t>
             </a:fld>
             <a:endParaRPr lang="en-US"/>
           </a:p>
@@ -4087,13 +4087,13 @@
         </p:spPr>
         <p:txBody>
           <a:bodyPr>
-            <a:normAutofit fontScale="90000"/>
+            <a:normAutofit/>
           </a:bodyPr>
           <a:lstStyle/>
           <a:p>
             <a:r>
               <a:rPr lang="ru-RU" sz="3200" dirty="0"/>
-              <a:t>Зависимость и независимость переменных</a:t>
+              <a:t>ЗависимЫе и независимые тесты</a:t>
             </a:r>
             <a:endParaRPr lang="en-US" sz="3200" dirty="0"/>
           </a:p>
@@ -4130,7 +4130,7 @@
           <a:p>
             <a:r>
               <a:rPr lang="ru-RU" dirty="0"/>
-              <a:t>Пример зависимых переменных:</a:t>
+              <a:t>Пример зависимых тестов:</a:t>
             </a:r>
           </a:p>
           <a:p>
@@ -5195,8 +5195,8 @@
           </a:p>
         </p:txBody>
       </p:sp>
-      <mc:AlternateContent xmlns:mc="http://schemas.openxmlformats.org/markup-compatibility/2006">
-        <mc:Choice xmlns:a14="http://schemas.microsoft.com/office/drawing/2010/main" Requires="a14">
+      <mc:AlternateContent xmlns:mc="http://schemas.openxmlformats.org/markup-compatibility/2006" xmlns:a14="http://schemas.microsoft.com/office/drawing/2010/main">
+        <mc:Choice Requires="a14">
           <p:sp>
             <p:nvSpPr>
               <p:cNvPr id="3" name="Объект 2"/>
@@ -5493,7 +5493,7 @@
             </p:txBody>
           </p:sp>
         </mc:Choice>
-        <mc:Fallback>
+        <mc:Fallback xmlns="">
           <p:sp>
             <p:nvSpPr>
               <p:cNvPr id="3" name="Объект 2"/>
@@ -7223,8 +7223,8 @@
           </a:p>
         </p:txBody>
       </p:sp>
-      <mc:AlternateContent xmlns:mc="http://schemas.openxmlformats.org/markup-compatibility/2006">
-        <mc:Choice xmlns:a14="http://schemas.microsoft.com/office/drawing/2010/main" Requires="a14">
+      <mc:AlternateContent xmlns:mc="http://schemas.openxmlformats.org/markup-compatibility/2006" xmlns:a14="http://schemas.microsoft.com/office/drawing/2010/main">
+        <mc:Choice Requires="a14">
           <p:sp>
             <p:nvSpPr>
               <p:cNvPr id="3" name="Объект 2"/>
@@ -7496,7 +7496,7 @@
             </p:txBody>
           </p:sp>
         </mc:Choice>
-        <mc:Fallback>
+        <mc:Fallback xmlns="">
           <p:sp>
             <p:nvSpPr>
               <p:cNvPr id="3" name="Объект 2"/>
@@ -7583,8 +7583,8 @@
           </a:p>
         </p:txBody>
       </p:sp>
-      <mc:AlternateContent xmlns:mc="http://schemas.openxmlformats.org/markup-compatibility/2006">
-        <mc:Choice xmlns:a14="http://schemas.microsoft.com/office/drawing/2010/main" Requires="a14">
+      <mc:AlternateContent xmlns:mc="http://schemas.openxmlformats.org/markup-compatibility/2006" xmlns:a14="http://schemas.microsoft.com/office/drawing/2010/main">
+        <mc:Choice Requires="a14">
           <p:sp>
             <p:nvSpPr>
               <p:cNvPr id="3" name="Объект 2"/>
@@ -7881,7 +7881,7 @@
             </p:txBody>
           </p:sp>
         </mc:Choice>
-        <mc:Fallback>
+        <mc:Fallback xmlns="">
           <p:sp>
             <p:nvSpPr>
               <p:cNvPr id="3" name="Объект 2"/>

--- a/Diploma_slides.pptx
+++ b/Diploma_slides.pptx
@@ -234,7 +234,7 @@
           <a:p>
             <a:fld id="{DC0B8FE5-3809-4277-AF2B-8784DBC000AA}" type="datetimeFigureOut">
               <a:rPr lang="en-US" smtClean="0"/>
-              <a:t>5/9/2018</a:t>
+              <a:t>5/10/2018</a:t>
             </a:fld>
             <a:endParaRPr lang="en-US"/>
           </a:p>
@@ -695,7 +695,7 @@
           <a:p>
             <a:fld id="{9616E58A-1502-49A9-81BD-C67CE2D6112C}" type="datetimeFigureOut">
               <a:rPr lang="en-US" smtClean="0"/>
-              <a:t>5/9/2018</a:t>
+              <a:t>5/10/2018</a:t>
             </a:fld>
             <a:endParaRPr lang="en-US"/>
           </a:p>
@@ -960,7 +960,7 @@
           <a:p>
             <a:fld id="{9616E58A-1502-49A9-81BD-C67CE2D6112C}" type="datetimeFigureOut">
               <a:rPr lang="en-US" smtClean="0"/>
-              <a:t>5/9/2018</a:t>
+              <a:t>5/10/2018</a:t>
             </a:fld>
             <a:endParaRPr lang="en-US"/>
           </a:p>
@@ -1135,7 +1135,7 @@
           <a:p>
             <a:fld id="{9616E58A-1502-49A9-81BD-C67CE2D6112C}" type="datetimeFigureOut">
               <a:rPr lang="en-US" smtClean="0"/>
-              <a:t>5/9/2018</a:t>
+              <a:t>5/10/2018</a:t>
             </a:fld>
             <a:endParaRPr lang="en-US"/>
           </a:p>
@@ -1300,7 +1300,7 @@
           <a:p>
             <a:fld id="{9616E58A-1502-49A9-81BD-C67CE2D6112C}" type="datetimeFigureOut">
               <a:rPr lang="en-US" smtClean="0"/>
-              <a:t>5/9/2018</a:t>
+              <a:t>5/10/2018</a:t>
             </a:fld>
             <a:endParaRPr lang="en-US"/>
           </a:p>
@@ -1549,7 +1549,7 @@
           <a:p>
             <a:fld id="{9616E58A-1502-49A9-81BD-C67CE2D6112C}" type="datetimeFigureOut">
               <a:rPr lang="en-US" smtClean="0"/>
-              <a:t>5/9/2018</a:t>
+              <a:t>5/10/2018</a:t>
             </a:fld>
             <a:endParaRPr lang="en-US"/>
           </a:p>
@@ -1832,7 +1832,7 @@
           <a:p>
             <a:fld id="{9616E58A-1502-49A9-81BD-C67CE2D6112C}" type="datetimeFigureOut">
               <a:rPr lang="en-US" smtClean="0"/>
-              <a:t>5/9/2018</a:t>
+              <a:t>5/10/2018</a:t>
             </a:fld>
             <a:endParaRPr lang="en-US"/>
           </a:p>
@@ -2271,7 +2271,7 @@
           <a:p>
             <a:fld id="{9616E58A-1502-49A9-81BD-C67CE2D6112C}" type="datetimeFigureOut">
               <a:rPr lang="en-US" smtClean="0"/>
-              <a:t>5/9/2018</a:t>
+              <a:t>5/10/2018</a:t>
             </a:fld>
             <a:endParaRPr lang="en-US"/>
           </a:p>
@@ -2384,7 +2384,7 @@
           <a:p>
             <a:fld id="{9616E58A-1502-49A9-81BD-C67CE2D6112C}" type="datetimeFigureOut">
               <a:rPr lang="en-US" smtClean="0"/>
-              <a:t>5/9/2018</a:t>
+              <a:t>5/10/2018</a:t>
             </a:fld>
             <a:endParaRPr lang="en-US"/>
           </a:p>
@@ -2474,7 +2474,7 @@
           <a:p>
             <a:fld id="{9616E58A-1502-49A9-81BD-C67CE2D6112C}" type="datetimeFigureOut">
               <a:rPr lang="en-US" smtClean="0"/>
-              <a:t>5/9/2018</a:t>
+              <a:t>5/10/2018</a:t>
             </a:fld>
             <a:endParaRPr lang="en-US"/>
           </a:p>
@@ -2716,7 +2716,7 @@
           <a:p>
             <a:fld id="{9616E58A-1502-49A9-81BD-C67CE2D6112C}" type="datetimeFigureOut">
               <a:rPr lang="en-US" smtClean="0"/>
-              <a:t>5/9/2018</a:t>
+              <a:t>5/10/2018</a:t>
             </a:fld>
             <a:endParaRPr lang="en-US"/>
           </a:p>
@@ -3010,7 +3010,7 @@
           <a:p>
             <a:fld id="{9616E58A-1502-49A9-81BD-C67CE2D6112C}" type="datetimeFigureOut">
               <a:rPr lang="en-US" smtClean="0"/>
-              <a:t>5/9/2018</a:t>
+              <a:t>5/10/2018</a:t>
             </a:fld>
             <a:endParaRPr lang="en-US"/>
           </a:p>
@@ -3304,7 +3304,7 @@
           <a:p>
             <a:fld id="{9616E58A-1502-49A9-81BD-C67CE2D6112C}" type="datetimeFigureOut">
               <a:rPr lang="en-US" smtClean="0"/>
-              <a:t>5/9/2018</a:t>
+              <a:t>5/10/2018</a:t>
             </a:fld>
             <a:endParaRPr lang="en-US"/>
           </a:p>
@@ -3856,8 +3856,14 @@
           <a:p>
             <a:r>
               <a:rPr lang="ru-RU" b="1" dirty="0"/>
-              <a:t>Ереван 2017</a:t>
-            </a:r>
+              <a:t>Ереван 201</a:t>
+            </a:r>
+            <a:r>
+              <a:rPr lang="en-US" b="1"/>
+              <a:t>8</a:t>
+            </a:r>
+          </a:p>
+          <a:p>
             <a:endParaRPr lang="en-US" dirty="0"/>
           </a:p>
           <a:p>
